--- a/chart2/qa/extras/data/pptx/tdf146756_bestFit.pptx
+++ b/chart2/qa/extras/data/pptx/tdf146756_bestFit.pptx
@@ -4783,7 +4783,7 @@
         <a:font script="Geor" typeface="Sylfaen"/>
       </a:majorFont>
       <a:minorFont>
-        <a:latin typeface="Calibri" panose="020F0502020204030204"/>
+        <a:latin typeface="Carlito" panose="020F0502020204030204"/>
         <a:ea typeface=""/>
         <a:cs typeface=""/>
         <a:font script="Jpan" typeface="游ゴシック"/>
@@ -5009,7 +5009,7 @@
     </a:clrScheme>
     <a:fontScheme name="Office">
       <a:majorFont>
-        <a:latin typeface="Calibri"/>
+        <a:latin typeface="Carlito"/>
         <a:ea typeface=""/>
         <a:cs typeface=""/>
         <a:font script="Jpan" typeface="ＭＳ Ｐゴシック"/>
@@ -5043,7 +5043,7 @@
         <a:font script="Uigh" typeface="Microsoft Uighur"/>
       </a:majorFont>
       <a:minorFont>
-        <a:latin typeface="Calibri"/>
+        <a:latin typeface="Carlito"/>
         <a:ea typeface=""/>
         <a:cs typeface=""/>
         <a:font script="Jpan" typeface="ＭＳ Ｐゴシック"/>
@@ -5327,7 +5327,7 @@
     </a:clrScheme>
     <a:fontScheme name="Office">
       <a:majorFont>
-        <a:latin typeface="Calibri"/>
+        <a:latin typeface="Carlito"/>
         <a:ea typeface=""/>
         <a:cs typeface=""/>
         <a:font script="Jpan" typeface="ＭＳ Ｐゴシック"/>
@@ -5361,7 +5361,7 @@
         <a:font script="Uigh" typeface="Microsoft Uighur"/>
       </a:majorFont>
       <a:minorFont>
-        <a:latin typeface="Calibri"/>
+        <a:latin typeface="Carlito"/>
         <a:ea typeface=""/>
         <a:cs typeface=""/>
         <a:font script="Jpan" typeface="ＭＳ Ｐゴシック"/>
